--- a/documents/flow.pptx
+++ b/documents/flow.pptx
@@ -7,6 +7,7 @@
   <p:sldIdLst>
     <p:sldId id="256" r:id="rId2"/>
     <p:sldId id="257" r:id="rId3"/>
+    <p:sldId id="258" r:id="rId4"/>
   </p:sldIdLst>
   <p:sldSz cx="12192000" cy="6858000"/>
   <p:notesSz cx="6858000" cy="9144000"/>
@@ -105,6 +106,11 @@
       </a:defRPr>
     </a:lvl9pPr>
   </p:defaultTextStyle>
+  <p:extLst>
+    <p:ext uri="{EFAFB233-063F-42B5-8137-9DF3F51BA10A}">
+      <p15:sldGuideLst xmlns:p15="http://schemas.microsoft.com/office/powerpoint/2012/main"/>
+    </p:ext>
+  </p:extLst>
 </p:presentation>
 </file>
 
@@ -255,7 +261,7 @@
           <a:p>
             <a:fld id="{2D9C59A4-3260-4852-9B0A-F2CCC2753EB2}" type="datetimeFigureOut">
               <a:rPr lang="en-US" smtClean="0"/>
-              <a:t>6/1/2020</a:t>
+              <a:t>7/21/2020</a:t>
             </a:fld>
             <a:endParaRPr lang="en-US"/>
           </a:p>
@@ -453,7 +459,7 @@
           <a:p>
             <a:fld id="{2D9C59A4-3260-4852-9B0A-F2CCC2753EB2}" type="datetimeFigureOut">
               <a:rPr lang="en-US" smtClean="0"/>
-              <a:t>6/1/2020</a:t>
+              <a:t>7/21/2020</a:t>
             </a:fld>
             <a:endParaRPr lang="en-US"/>
           </a:p>
@@ -661,7 +667,7 @@
           <a:p>
             <a:fld id="{2D9C59A4-3260-4852-9B0A-F2CCC2753EB2}" type="datetimeFigureOut">
               <a:rPr lang="en-US" smtClean="0"/>
-              <a:t>6/1/2020</a:t>
+              <a:t>7/21/2020</a:t>
             </a:fld>
             <a:endParaRPr lang="en-US"/>
           </a:p>
@@ -859,7 +865,7 @@
           <a:p>
             <a:fld id="{2D9C59A4-3260-4852-9B0A-F2CCC2753EB2}" type="datetimeFigureOut">
               <a:rPr lang="en-US" smtClean="0"/>
-              <a:t>6/1/2020</a:t>
+              <a:t>7/21/2020</a:t>
             </a:fld>
             <a:endParaRPr lang="en-US"/>
           </a:p>
@@ -1134,7 +1140,7 @@
           <a:p>
             <a:fld id="{2D9C59A4-3260-4852-9B0A-F2CCC2753EB2}" type="datetimeFigureOut">
               <a:rPr lang="en-US" smtClean="0"/>
-              <a:t>6/1/2020</a:t>
+              <a:t>7/21/2020</a:t>
             </a:fld>
             <a:endParaRPr lang="en-US"/>
           </a:p>
@@ -1399,7 +1405,7 @@
           <a:p>
             <a:fld id="{2D9C59A4-3260-4852-9B0A-F2CCC2753EB2}" type="datetimeFigureOut">
               <a:rPr lang="en-US" smtClean="0"/>
-              <a:t>6/1/2020</a:t>
+              <a:t>7/21/2020</a:t>
             </a:fld>
             <a:endParaRPr lang="en-US"/>
           </a:p>
@@ -1811,7 +1817,7 @@
           <a:p>
             <a:fld id="{2D9C59A4-3260-4852-9B0A-F2CCC2753EB2}" type="datetimeFigureOut">
               <a:rPr lang="en-US" smtClean="0"/>
-              <a:t>6/1/2020</a:t>
+              <a:t>7/21/2020</a:t>
             </a:fld>
             <a:endParaRPr lang="en-US"/>
           </a:p>
@@ -1952,7 +1958,7 @@
           <a:p>
             <a:fld id="{2D9C59A4-3260-4852-9B0A-F2CCC2753EB2}" type="datetimeFigureOut">
               <a:rPr lang="en-US" smtClean="0"/>
-              <a:t>6/1/2020</a:t>
+              <a:t>7/21/2020</a:t>
             </a:fld>
             <a:endParaRPr lang="en-US"/>
           </a:p>
@@ -2065,7 +2071,7 @@
           <a:p>
             <a:fld id="{2D9C59A4-3260-4852-9B0A-F2CCC2753EB2}" type="datetimeFigureOut">
               <a:rPr lang="en-US" smtClean="0"/>
-              <a:t>6/1/2020</a:t>
+              <a:t>7/21/2020</a:t>
             </a:fld>
             <a:endParaRPr lang="en-US"/>
           </a:p>
@@ -2376,7 +2382,7 @@
           <a:p>
             <a:fld id="{2D9C59A4-3260-4852-9B0A-F2CCC2753EB2}" type="datetimeFigureOut">
               <a:rPr lang="en-US" smtClean="0"/>
-              <a:t>6/1/2020</a:t>
+              <a:t>7/21/2020</a:t>
             </a:fld>
             <a:endParaRPr lang="en-US"/>
           </a:p>
@@ -2664,7 +2670,7 @@
           <a:p>
             <a:fld id="{2D9C59A4-3260-4852-9B0A-F2CCC2753EB2}" type="datetimeFigureOut">
               <a:rPr lang="en-US" smtClean="0"/>
-              <a:t>6/1/2020</a:t>
+              <a:t>7/21/2020</a:t>
             </a:fld>
             <a:endParaRPr lang="en-US"/>
           </a:p>
@@ -2905,7 +2911,7 @@
           <a:p>
             <a:fld id="{2D9C59A4-3260-4852-9B0A-F2CCC2753EB2}" type="datetimeFigureOut">
               <a:rPr lang="en-US" smtClean="0"/>
-              <a:t>6/1/2020</a:t>
+              <a:t>7/21/2020</a:t>
             </a:fld>
             <a:endParaRPr lang="en-US"/>
           </a:p>
@@ -3336,7 +3342,7 @@
         </p:nvSpPr>
         <p:spPr>
           <a:xfrm>
-            <a:off x="2193635" y="192511"/>
+            <a:off x="4844473" y="371178"/>
             <a:ext cx="2096655" cy="581891"/>
           </a:xfrm>
           <a:prstGeom prst="rect">
@@ -3366,17 +3372,17 @@
             <a:pPr algn="ctr"/>
             <a:r>
               <a:rPr lang="en-US" dirty="0"/>
-              <a:t>SELECIONAR INSTÂNCIA</a:t>
-            </a:r>
-          </a:p>
-        </p:txBody>
-      </p:sp>
-      <p:sp>
-        <p:nvSpPr>
-          <p:cNvPr id="5" name="Rectangle 4">
-            <a:extLst>
-              <a:ext uri="{FF2B5EF4-FFF2-40B4-BE49-F238E27FC236}">
-                <a16:creationId xmlns:a16="http://schemas.microsoft.com/office/drawing/2014/main" id="{A4818C2E-5DF8-42FF-A92E-A80114C5D931}"/>
+              <a:t>CARREGAR DISPOSITIVO</a:t>
+            </a:r>
+          </a:p>
+        </p:txBody>
+      </p:sp>
+      <p:sp>
+        <p:nvSpPr>
+          <p:cNvPr id="6" name="Diamond 5">
+            <a:extLst>
+              <a:ext uri="{FF2B5EF4-FFF2-40B4-BE49-F238E27FC236}">
+                <a16:creationId xmlns:a16="http://schemas.microsoft.com/office/drawing/2014/main" id="{ECBB74E2-7B18-4CD7-A05C-CCAC76808295}"/>
               </a:ext>
             </a:extLst>
           </p:cNvPr>
@@ -3385,10 +3391,10 @@
         </p:nvSpPr>
         <p:spPr>
           <a:xfrm>
-            <a:off x="2008907" y="5830733"/>
-            <a:ext cx="2096655" cy="581891"/>
-          </a:xfrm>
-          <a:prstGeom prst="rect">
+            <a:off x="4740563" y="1040722"/>
+            <a:ext cx="2304473" cy="753906"/>
+          </a:xfrm>
+          <a:prstGeom prst="diamond">
             <a:avLst/>
           </a:prstGeom>
         </p:spPr>
@@ -3414,18 +3420,18 @@
           <a:p>
             <a:pPr algn="ctr"/>
             <a:r>
-              <a:rPr lang="en-US" dirty="0"/>
-              <a:t>FOTOGRAFAR PEÇA</a:t>
-            </a:r>
-          </a:p>
-        </p:txBody>
-      </p:sp>
-      <p:sp>
-        <p:nvSpPr>
-          <p:cNvPr id="6" name="Diamond 5">
-            <a:extLst>
-              <a:ext uri="{FF2B5EF4-FFF2-40B4-BE49-F238E27FC236}">
-                <a16:creationId xmlns:a16="http://schemas.microsoft.com/office/drawing/2014/main" id="{ECBB74E2-7B18-4CD7-A05C-CCAC76808295}"/>
+              <a:rPr lang="en-US" sz="1200" dirty="0"/>
+              <a:t>PARTNUMBER?</a:t>
+            </a:r>
+          </a:p>
+        </p:txBody>
+      </p:sp>
+      <p:sp>
+        <p:nvSpPr>
+          <p:cNvPr id="7" name="Rectangle 6">
+            <a:extLst>
+              <a:ext uri="{FF2B5EF4-FFF2-40B4-BE49-F238E27FC236}">
+                <a16:creationId xmlns:a16="http://schemas.microsoft.com/office/drawing/2014/main" id="{9E92EF4B-ABEF-4BF5-9035-ADC4221C0050}"/>
               </a:ext>
             </a:extLst>
           </p:cNvPr>
@@ -3434,10 +3440,10 @@
         </p:nvSpPr>
         <p:spPr>
           <a:xfrm>
-            <a:off x="3814616" y="1181681"/>
-            <a:ext cx="2281383" cy="753906"/>
-          </a:xfrm>
-          <a:prstGeom prst="diamond">
+            <a:off x="5224315" y="1939195"/>
+            <a:ext cx="1526311" cy="442984"/>
+          </a:xfrm>
+          <a:prstGeom prst="rect">
             <a:avLst/>
           </a:prstGeom>
         </p:spPr>
@@ -3463,18 +3469,25 @@
           <a:p>
             <a:pPr algn="ctr"/>
             <a:r>
-              <a:rPr lang="en-US" sz="1200" dirty="0"/>
-              <a:t>PARTNUMBER?</a:t>
-            </a:r>
-          </a:p>
-        </p:txBody>
-      </p:sp>
-      <p:sp>
-        <p:nvSpPr>
-          <p:cNvPr id="7" name="Rectangle 6">
-            <a:extLst>
-              <a:ext uri="{FF2B5EF4-FFF2-40B4-BE49-F238E27FC236}">
-                <a16:creationId xmlns:a16="http://schemas.microsoft.com/office/drawing/2014/main" id="{9E92EF4B-ABEF-4BF5-9035-ADC4221C0050}"/>
+              <a:rPr lang="en-US" sz="1100" dirty="0"/>
+              <a:t>FOTOGRAFA</a:t>
+            </a:r>
+          </a:p>
+          <a:p>
+            <a:pPr algn="ctr"/>
+            <a:r>
+              <a:rPr lang="en-US" sz="1100" dirty="0"/>
+              <a:t>PARTNUMBER</a:t>
+            </a:r>
+          </a:p>
+        </p:txBody>
+      </p:sp>
+      <p:sp>
+        <p:nvSpPr>
+          <p:cNvPr id="8" name="Diamond 7">
+            <a:extLst>
+              <a:ext uri="{FF2B5EF4-FFF2-40B4-BE49-F238E27FC236}">
+                <a16:creationId xmlns:a16="http://schemas.microsoft.com/office/drawing/2014/main" id="{C71A0C92-7173-43F8-9F69-6D6F3FC73D3A}"/>
               </a:ext>
             </a:extLst>
           </p:cNvPr>
@@ -3483,10 +3496,10 @@
         </p:nvSpPr>
         <p:spPr>
           <a:xfrm>
-            <a:off x="3814617" y="2139369"/>
-            <a:ext cx="2096655" cy="581891"/>
-          </a:xfrm>
-          <a:prstGeom prst="rect">
+            <a:off x="3486727" y="3790993"/>
+            <a:ext cx="1597893" cy="923637"/>
+          </a:xfrm>
+          <a:prstGeom prst="diamond">
             <a:avLst/>
           </a:prstGeom>
         </p:spPr>
@@ -3512,25 +3525,25 @@
           <a:p>
             <a:pPr algn="ctr"/>
             <a:r>
-              <a:rPr lang="en-US" dirty="0"/>
-              <a:t>FOTOGRAFA</a:t>
+              <a:rPr lang="en-US" sz="1200" dirty="0"/>
+              <a:t>NUMERO</a:t>
             </a:r>
           </a:p>
           <a:p>
             <a:pPr algn="ctr"/>
             <a:r>
-              <a:rPr lang="en-US" dirty="0"/>
-              <a:t>PARTNUMBER</a:t>
-            </a:r>
-          </a:p>
-        </p:txBody>
-      </p:sp>
-      <p:sp>
-        <p:nvSpPr>
-          <p:cNvPr id="8" name="Diamond 7">
-            <a:extLst>
-              <a:ext uri="{FF2B5EF4-FFF2-40B4-BE49-F238E27FC236}">
-                <a16:creationId xmlns:a16="http://schemas.microsoft.com/office/drawing/2014/main" id="{C71A0C92-7173-43F8-9F69-6D6F3FC73D3A}"/>
+              <a:rPr lang="en-US" sz="1200" dirty="0"/>
+              <a:t>VALIDO?</a:t>
+            </a:r>
+          </a:p>
+        </p:txBody>
+      </p:sp>
+      <p:sp>
+        <p:nvSpPr>
+          <p:cNvPr id="16" name="Diamond 15">
+            <a:extLst>
+              <a:ext uri="{FF2B5EF4-FFF2-40B4-BE49-F238E27FC236}">
+                <a16:creationId xmlns:a16="http://schemas.microsoft.com/office/drawing/2014/main" id="{B5304284-30ED-4739-A398-7DACA821232F}"/>
               </a:ext>
             </a:extLst>
           </p:cNvPr>
@@ -3539,8 +3552,8 @@
         </p:nvSpPr>
         <p:spPr>
           <a:xfrm>
-            <a:off x="1824180" y="3964711"/>
-            <a:ext cx="2466110" cy="923637"/>
+            <a:off x="2553854" y="946746"/>
+            <a:ext cx="1865747" cy="923637"/>
           </a:xfrm>
           <a:prstGeom prst="diamond">
             <a:avLst/>
@@ -3569,24 +3582,17 @@
             <a:pPr algn="ctr"/>
             <a:r>
               <a:rPr lang="en-US" sz="1200" dirty="0"/>
-              <a:t>NUMERO</a:t>
-            </a:r>
-          </a:p>
-          <a:p>
-            <a:pPr algn="ctr"/>
-            <a:r>
-              <a:rPr lang="en-US" sz="1200" dirty="0"/>
-              <a:t>VALIDO?</a:t>
-            </a:r>
-          </a:p>
-        </p:txBody>
-      </p:sp>
-      <p:sp>
-        <p:nvSpPr>
-          <p:cNvPr id="9" name="Diamond 8">
-            <a:extLst>
-              <a:ext uri="{FF2B5EF4-FFF2-40B4-BE49-F238E27FC236}">
-                <a16:creationId xmlns:a16="http://schemas.microsoft.com/office/drawing/2014/main" id="{C62720F6-B099-43B0-84D8-F3D45FD2121E}"/>
+              <a:t>BARCODE?</a:t>
+            </a:r>
+          </a:p>
+        </p:txBody>
+      </p:sp>
+      <p:sp>
+        <p:nvSpPr>
+          <p:cNvPr id="17" name="Rectangle 16">
+            <a:extLst>
+              <a:ext uri="{FF2B5EF4-FFF2-40B4-BE49-F238E27FC236}">
+                <a16:creationId xmlns:a16="http://schemas.microsoft.com/office/drawing/2014/main" id="{539F1148-78F2-46E0-ABCB-69F5796BF344}"/>
               </a:ext>
             </a:extLst>
           </p:cNvPr>
@@ -3595,10 +3601,10 @@
         </p:nvSpPr>
         <p:spPr>
           <a:xfrm>
-            <a:off x="7167418" y="1904998"/>
-            <a:ext cx="2466110" cy="923637"/>
-          </a:xfrm>
-          <a:prstGeom prst="diamond">
+            <a:off x="3004127" y="2160687"/>
+            <a:ext cx="965200" cy="444502"/>
+          </a:xfrm>
+          <a:prstGeom prst="rect">
             <a:avLst/>
           </a:prstGeom>
         </p:spPr>
@@ -3625,17 +3631,17 @@
             <a:pPr algn="ctr"/>
             <a:r>
               <a:rPr lang="en-US" sz="1200" dirty="0"/>
-              <a:t>CONFIRMA IMAGEM?</a:t>
-            </a:r>
-          </a:p>
-        </p:txBody>
-      </p:sp>
-      <p:sp>
-        <p:nvSpPr>
-          <p:cNvPr id="10" name="Rectangle 9">
-            <a:extLst>
-              <a:ext uri="{FF2B5EF4-FFF2-40B4-BE49-F238E27FC236}">
-                <a16:creationId xmlns:a16="http://schemas.microsoft.com/office/drawing/2014/main" id="{77FD2091-44E3-4113-8132-A0013875D172}"/>
+              <a:t>LE BARCODE</a:t>
+            </a:r>
+          </a:p>
+        </p:txBody>
+      </p:sp>
+      <p:sp>
+        <p:nvSpPr>
+          <p:cNvPr id="18" name="Rectangle 17">
+            <a:extLst>
+              <a:ext uri="{FF2B5EF4-FFF2-40B4-BE49-F238E27FC236}">
+                <a16:creationId xmlns:a16="http://schemas.microsoft.com/office/drawing/2014/main" id="{A981AA04-26C1-424D-9902-7E5C54443BB3}"/>
               </a:ext>
             </a:extLst>
           </p:cNvPr>
@@ -3644,8 +3650,8 @@
         </p:nvSpPr>
         <p:spPr>
           <a:xfrm>
-            <a:off x="7352146" y="976743"/>
-            <a:ext cx="2096655" cy="581891"/>
+            <a:off x="5224314" y="2485172"/>
+            <a:ext cx="1526311" cy="442985"/>
           </a:xfrm>
           <a:prstGeom prst="rect">
             <a:avLst/>
@@ -3673,25 +3679,18 @@
           <a:p>
             <a:pPr algn="ctr"/>
             <a:r>
-              <a:rPr lang="en-US" dirty="0"/>
-              <a:t>AVALIAÇÃO </a:t>
-            </a:r>
-          </a:p>
-          <a:p>
-            <a:pPr algn="ctr"/>
-            <a:r>
-              <a:rPr lang="en-US" dirty="0"/>
-              <a:t>HUMANA</a:t>
-            </a:r>
-          </a:p>
-        </p:txBody>
-      </p:sp>
-      <p:sp>
-        <p:nvSpPr>
-          <p:cNvPr id="11" name="Diamond 10">
-            <a:extLst>
-              <a:ext uri="{FF2B5EF4-FFF2-40B4-BE49-F238E27FC236}">
-                <a16:creationId xmlns:a16="http://schemas.microsoft.com/office/drawing/2014/main" id="{93D273ED-7C28-4722-B3DF-7E3ACD829954}"/>
+              <a:rPr lang="en-US" sz="1050" dirty="0"/>
+              <a:t>ENVIA PARA O SERVIDOR</a:t>
+            </a:r>
+          </a:p>
+        </p:txBody>
+      </p:sp>
+      <p:sp>
+        <p:nvSpPr>
+          <p:cNvPr id="19" name="Diamond 18">
+            <a:extLst>
+              <a:ext uri="{FF2B5EF4-FFF2-40B4-BE49-F238E27FC236}">
+                <a16:creationId xmlns:a16="http://schemas.microsoft.com/office/drawing/2014/main" id="{728246F7-998A-40DE-BE65-36FBCF0B1D24}"/>
               </a:ext>
             </a:extLst>
           </p:cNvPr>
@@ -3700,8 +3699,8 @@
         </p:nvSpPr>
         <p:spPr>
           <a:xfrm>
-            <a:off x="9725890" y="1272306"/>
-            <a:ext cx="1911928" cy="923637"/>
+            <a:off x="7356763" y="946745"/>
+            <a:ext cx="1874984" cy="923637"/>
           </a:xfrm>
           <a:prstGeom prst="diamond">
             <a:avLst/>
@@ -3730,17 +3729,17 @@
             <a:pPr algn="ctr"/>
             <a:r>
               <a:rPr lang="en-US" sz="1200" dirty="0"/>
-              <a:t>CONFIRMA IMAGEM?</a:t>
-            </a:r>
-          </a:p>
-        </p:txBody>
-      </p:sp>
-      <p:sp>
-        <p:nvSpPr>
-          <p:cNvPr id="12" name="Rectangle 11">
-            <a:extLst>
-              <a:ext uri="{FF2B5EF4-FFF2-40B4-BE49-F238E27FC236}">
-                <a16:creationId xmlns:a16="http://schemas.microsoft.com/office/drawing/2014/main" id="{00FC5B95-10C6-441D-A6AA-C81DAA2EDF91}"/>
+              <a:t>APENAS IMAGEM</a:t>
+            </a:r>
+          </a:p>
+        </p:txBody>
+      </p:sp>
+      <p:sp>
+        <p:nvSpPr>
+          <p:cNvPr id="20" name="Rectangle 19">
+            <a:extLst>
+              <a:ext uri="{FF2B5EF4-FFF2-40B4-BE49-F238E27FC236}">
+                <a16:creationId xmlns:a16="http://schemas.microsoft.com/office/drawing/2014/main" id="{3E216238-7D8A-4A9C-9CD5-AA9ABC5552FC}"/>
               </a:ext>
             </a:extLst>
           </p:cNvPr>
@@ -3749,8 +3748,8 @@
         </p:nvSpPr>
         <p:spPr>
           <a:xfrm>
-            <a:off x="7352146" y="3174997"/>
-            <a:ext cx="2096655" cy="581891"/>
+            <a:off x="5224313" y="3035777"/>
+            <a:ext cx="1526311" cy="442985"/>
           </a:xfrm>
           <a:prstGeom prst="rect">
             <a:avLst/>
@@ -3778,18 +3777,18 @@
           <a:p>
             <a:pPr algn="ctr"/>
             <a:r>
-              <a:rPr lang="en-US" dirty="0"/>
-              <a:t>SERVIDOR CLASSIFICA</a:t>
-            </a:r>
-          </a:p>
-        </p:txBody>
-      </p:sp>
-      <p:sp>
-        <p:nvSpPr>
-          <p:cNvPr id="13" name="Rectangle 12">
-            <a:extLst>
-              <a:ext uri="{FF2B5EF4-FFF2-40B4-BE49-F238E27FC236}">
-                <a16:creationId xmlns:a16="http://schemas.microsoft.com/office/drawing/2014/main" id="{BB0970FA-2DD9-4B7D-8763-2C33D04294FB}"/>
+              <a:rPr lang="en-US" sz="1050" dirty="0"/>
+              <a:t>RECEBE O OCR DA IMAGEM ENVIADA</a:t>
+            </a:r>
+          </a:p>
+        </p:txBody>
+      </p:sp>
+      <p:sp>
+        <p:nvSpPr>
+          <p:cNvPr id="21" name="Rectangle 20">
+            <a:extLst>
+              <a:ext uri="{FF2B5EF4-FFF2-40B4-BE49-F238E27FC236}">
+                <a16:creationId xmlns:a16="http://schemas.microsoft.com/office/drawing/2014/main" id="{F294C94F-757C-4287-B1C0-3FA4B27AAA50}"/>
               </a:ext>
             </a:extLst>
           </p:cNvPr>
@@ -3798,8 +3797,8 @@
         </p:nvSpPr>
         <p:spPr>
           <a:xfrm>
-            <a:off x="7352145" y="4876797"/>
-            <a:ext cx="2096655" cy="581891"/>
+            <a:off x="5224313" y="4896077"/>
+            <a:ext cx="1526311" cy="581891"/>
           </a:xfrm>
           <a:prstGeom prst="rect">
             <a:avLst/>
@@ -3827,253 +3826,8 @@
           <a:p>
             <a:pPr algn="ctr"/>
             <a:r>
-              <a:rPr lang="en-US" dirty="0"/>
-              <a:t>SERVIDOR DEVOLVE RESULTADO</a:t>
-            </a:r>
-          </a:p>
-        </p:txBody>
-      </p:sp>
-      <p:sp>
-        <p:nvSpPr>
-          <p:cNvPr id="14" name="Rectangle 13">
-            <a:extLst>
-              <a:ext uri="{FF2B5EF4-FFF2-40B4-BE49-F238E27FC236}">
-                <a16:creationId xmlns:a16="http://schemas.microsoft.com/office/drawing/2014/main" id="{C1364AFE-BA56-4E50-8049-C9B96F661F3D}"/>
-              </a:ext>
-            </a:extLst>
-          </p:cNvPr>
-          <p:cNvSpPr/>
-          <p:nvPr/>
-        </p:nvSpPr>
-        <p:spPr>
-          <a:xfrm>
-            <a:off x="7352146" y="4052452"/>
-            <a:ext cx="2096655" cy="581891"/>
-          </a:xfrm>
-          <a:prstGeom prst="rect">
-            <a:avLst/>
-          </a:prstGeom>
-        </p:spPr>
-        <p:style>
-          <a:lnRef idx="2">
-            <a:schemeClr val="accent1">
-              <a:shade val="50000"/>
-            </a:schemeClr>
-          </a:lnRef>
-          <a:fillRef idx="1">
-            <a:schemeClr val="accent1"/>
-          </a:fillRef>
-          <a:effectRef idx="0">
-            <a:schemeClr val="accent1"/>
-          </a:effectRef>
-          <a:fontRef idx="minor">
-            <a:schemeClr val="lt1"/>
-          </a:fontRef>
-        </p:style>
-        <p:txBody>
-          <a:bodyPr rtlCol="0" anchor="ctr"/>
-          <a:lstStyle/>
-          <a:p>
-            <a:pPr algn="ctr"/>
-            <a:r>
-              <a:rPr lang="en-US" sz="1400" dirty="0"/>
-              <a:t>SERVIDOR SALVA IMAGEM E RESULTADO</a:t>
-            </a:r>
-          </a:p>
-        </p:txBody>
-      </p:sp>
-      <p:sp>
-        <p:nvSpPr>
-          <p:cNvPr id="15" name="Rectangle 14">
-            <a:extLst>
-              <a:ext uri="{FF2B5EF4-FFF2-40B4-BE49-F238E27FC236}">
-                <a16:creationId xmlns:a16="http://schemas.microsoft.com/office/drawing/2014/main" id="{0C27E2FA-819E-4633-B15C-04A1B8E22747}"/>
-              </a:ext>
-            </a:extLst>
-          </p:cNvPr>
-          <p:cNvSpPr/>
-          <p:nvPr/>
-        </p:nvSpPr>
-        <p:spPr>
-          <a:xfrm>
-            <a:off x="7352145" y="5668818"/>
-            <a:ext cx="2096655" cy="581891"/>
-          </a:xfrm>
-          <a:prstGeom prst="rect">
-            <a:avLst/>
-          </a:prstGeom>
-        </p:spPr>
-        <p:style>
-          <a:lnRef idx="2">
-            <a:schemeClr val="accent1">
-              <a:shade val="50000"/>
-            </a:schemeClr>
-          </a:lnRef>
-          <a:fillRef idx="1">
-            <a:schemeClr val="accent1"/>
-          </a:fillRef>
-          <a:effectRef idx="0">
-            <a:schemeClr val="accent1"/>
-          </a:effectRef>
-          <a:fontRef idx="minor">
-            <a:schemeClr val="lt1"/>
-          </a:fontRef>
-        </p:style>
-        <p:txBody>
-          <a:bodyPr rtlCol="0" anchor="ctr"/>
-          <a:lstStyle/>
-          <a:p>
-            <a:pPr algn="ctr"/>
-            <a:r>
-              <a:rPr lang="en-US" sz="1400" dirty="0"/>
-              <a:t>APP RETORNA A TELA INICIAL COM RESULTADO</a:t>
-            </a:r>
-          </a:p>
-        </p:txBody>
-      </p:sp>
-      <p:sp>
-        <p:nvSpPr>
-          <p:cNvPr id="16" name="Diamond 15">
-            <a:extLst>
-              <a:ext uri="{FF2B5EF4-FFF2-40B4-BE49-F238E27FC236}">
-                <a16:creationId xmlns:a16="http://schemas.microsoft.com/office/drawing/2014/main" id="{B5304284-30ED-4739-A398-7DACA821232F}"/>
-              </a:ext>
-            </a:extLst>
-          </p:cNvPr>
-          <p:cNvSpPr/>
-          <p:nvPr/>
-        </p:nvSpPr>
-        <p:spPr>
-          <a:xfrm>
-            <a:off x="683488" y="1078343"/>
-            <a:ext cx="1874984" cy="923637"/>
-          </a:xfrm>
-          <a:prstGeom prst="diamond">
-            <a:avLst/>
-          </a:prstGeom>
-        </p:spPr>
-        <p:style>
-          <a:lnRef idx="2">
-            <a:schemeClr val="accent1">
-              <a:shade val="50000"/>
-            </a:schemeClr>
-          </a:lnRef>
-          <a:fillRef idx="1">
-            <a:schemeClr val="accent1"/>
-          </a:fillRef>
-          <a:effectRef idx="0">
-            <a:schemeClr val="accent1"/>
-          </a:effectRef>
-          <a:fontRef idx="minor">
-            <a:schemeClr val="lt1"/>
-          </a:fontRef>
-        </p:style>
-        <p:txBody>
-          <a:bodyPr rtlCol="0" anchor="ctr"/>
-          <a:lstStyle/>
-          <a:p>
-            <a:pPr algn="ctr"/>
-            <a:r>
               <a:rPr lang="en-US" sz="1200" dirty="0"/>
-              <a:t>BARCODE?</a:t>
-            </a:r>
-          </a:p>
-        </p:txBody>
-      </p:sp>
-      <p:sp>
-        <p:nvSpPr>
-          <p:cNvPr id="17" name="Rectangle 16">
-            <a:extLst>
-              <a:ext uri="{FF2B5EF4-FFF2-40B4-BE49-F238E27FC236}">
-                <a16:creationId xmlns:a16="http://schemas.microsoft.com/office/drawing/2014/main" id="{539F1148-78F2-46E0-ABCB-69F5796BF344}"/>
-              </a:ext>
-            </a:extLst>
-          </p:cNvPr>
-          <p:cNvSpPr/>
-          <p:nvPr/>
-        </p:nvSpPr>
-        <p:spPr>
-          <a:xfrm>
-            <a:off x="572652" y="2208063"/>
-            <a:ext cx="2096655" cy="444502"/>
-          </a:xfrm>
-          <a:prstGeom prst="rect">
-            <a:avLst/>
-          </a:prstGeom>
-        </p:spPr>
-        <p:style>
-          <a:lnRef idx="2">
-            <a:schemeClr val="accent1">
-              <a:shade val="50000"/>
-            </a:schemeClr>
-          </a:lnRef>
-          <a:fillRef idx="1">
-            <a:schemeClr val="accent1"/>
-          </a:fillRef>
-          <a:effectRef idx="0">
-            <a:schemeClr val="accent1"/>
-          </a:effectRef>
-          <a:fontRef idx="minor">
-            <a:schemeClr val="lt1"/>
-          </a:fontRef>
-        </p:style>
-        <p:txBody>
-          <a:bodyPr rtlCol="0" anchor="ctr"/>
-          <a:lstStyle/>
-          <a:p>
-            <a:pPr algn="ctr"/>
-            <a:r>
-              <a:rPr lang="en-US" dirty="0"/>
-              <a:t>LE BARCODE</a:t>
-            </a:r>
-          </a:p>
-        </p:txBody>
-      </p:sp>
-      <p:sp>
-        <p:nvSpPr>
-          <p:cNvPr id="18" name="Rectangle 17">
-            <a:extLst>
-              <a:ext uri="{FF2B5EF4-FFF2-40B4-BE49-F238E27FC236}">
-                <a16:creationId xmlns:a16="http://schemas.microsoft.com/office/drawing/2014/main" id="{A981AA04-26C1-424D-9902-7E5C54443BB3}"/>
-              </a:ext>
-            </a:extLst>
-          </p:cNvPr>
-          <p:cNvSpPr/>
-          <p:nvPr/>
-        </p:nvSpPr>
-        <p:spPr>
-          <a:xfrm>
-            <a:off x="3814617" y="2953927"/>
-            <a:ext cx="2096655" cy="581891"/>
-          </a:xfrm>
-          <a:prstGeom prst="rect">
-            <a:avLst/>
-          </a:prstGeom>
-        </p:spPr>
-        <p:style>
-          <a:lnRef idx="2">
-            <a:schemeClr val="accent1">
-              <a:shade val="50000"/>
-            </a:schemeClr>
-          </a:lnRef>
-          <a:fillRef idx="1">
-            <a:schemeClr val="accent1"/>
-          </a:fillRef>
-          <a:effectRef idx="0">
-            <a:schemeClr val="accent1"/>
-          </a:effectRef>
-          <a:fontRef idx="minor">
-            <a:schemeClr val="lt1"/>
-          </a:fontRef>
-        </p:style>
-        <p:txBody>
-          <a:bodyPr rtlCol="0" anchor="ctr"/>
-          <a:lstStyle/>
-          <a:p>
-            <a:pPr algn="ctr"/>
-            <a:r>
-              <a:rPr lang="en-US" dirty="0"/>
-              <a:t>ENVIA PARA O SERVIDOR</a:t>
+              <a:t>AVALIAR PREVIA DO RESULTADO</a:t>
             </a:r>
           </a:p>
         </p:txBody>
@@ -4110,10 +3864,10 @@
       </p:grpSpPr>
       <p:sp>
         <p:nvSpPr>
-          <p:cNvPr id="4" name="Rectangle 3">
-            <a:extLst>
-              <a:ext uri="{FF2B5EF4-FFF2-40B4-BE49-F238E27FC236}">
-                <a16:creationId xmlns:a16="http://schemas.microsoft.com/office/drawing/2014/main" id="{F06B54B5-0925-4886-9691-0499448B30E9}"/>
+          <p:cNvPr id="12" name="Rectangle 11">
+            <a:extLst>
+              <a:ext uri="{FF2B5EF4-FFF2-40B4-BE49-F238E27FC236}">
+                <a16:creationId xmlns:a16="http://schemas.microsoft.com/office/drawing/2014/main" id="{C5EE177C-3DB2-4E08-BEE6-85B949C3213D}"/>
               </a:ext>
             </a:extLst>
           </p:cNvPr>
@@ -4122,8 +3876,8 @@
         </p:nvSpPr>
         <p:spPr>
           <a:xfrm>
-            <a:off x="4581236" y="2847109"/>
-            <a:ext cx="1117600" cy="581891"/>
+            <a:off x="1091617" y="1775229"/>
+            <a:ext cx="1526311" cy="581891"/>
           </a:xfrm>
           <a:prstGeom prst="rect">
             <a:avLst/>
@@ -4151,8 +3905,253 @@
           <a:p>
             <a:pPr algn="ctr"/>
             <a:r>
-              <a:rPr lang="en-US" dirty="0"/>
-              <a:t>API</a:t>
+              <a:rPr lang="en-US" sz="1200" dirty="0"/>
+              <a:t>FOTOGRAFAR PEÇA</a:t>
+            </a:r>
+          </a:p>
+        </p:txBody>
+      </p:sp>
+      <p:sp>
+        <p:nvSpPr>
+          <p:cNvPr id="13" name="Diamond 12">
+            <a:extLst>
+              <a:ext uri="{FF2B5EF4-FFF2-40B4-BE49-F238E27FC236}">
+                <a16:creationId xmlns:a16="http://schemas.microsoft.com/office/drawing/2014/main" id="{F74AE60D-970A-4F58-82FF-DB20E9147C3E}"/>
+              </a:ext>
+            </a:extLst>
+          </p:cNvPr>
+          <p:cNvSpPr/>
+          <p:nvPr/>
+        </p:nvSpPr>
+        <p:spPr>
+          <a:xfrm>
+            <a:off x="624601" y="493611"/>
+            <a:ext cx="2460344" cy="923637"/>
+          </a:xfrm>
+          <a:prstGeom prst="diamond">
+            <a:avLst/>
+          </a:prstGeom>
+        </p:spPr>
+        <p:style>
+          <a:lnRef idx="2">
+            <a:schemeClr val="accent1">
+              <a:shade val="50000"/>
+            </a:schemeClr>
+          </a:lnRef>
+          <a:fillRef idx="1">
+            <a:schemeClr val="accent1"/>
+          </a:fillRef>
+          <a:effectRef idx="0">
+            <a:schemeClr val="accent1"/>
+          </a:effectRef>
+          <a:fontRef idx="minor">
+            <a:schemeClr val="lt1"/>
+          </a:fontRef>
+        </p:style>
+        <p:txBody>
+          <a:bodyPr rtlCol="0" anchor="ctr"/>
+          <a:lstStyle/>
+          <a:p>
+            <a:pPr algn="ctr"/>
+            <a:r>
+              <a:rPr lang="en-US" sz="1200" dirty="0"/>
+              <a:t>RESULTADO CORRESPONDE?</a:t>
+            </a:r>
+          </a:p>
+        </p:txBody>
+      </p:sp>
+      <p:sp>
+        <p:nvSpPr>
+          <p:cNvPr id="14" name="Diamond 13">
+            <a:extLst>
+              <a:ext uri="{FF2B5EF4-FFF2-40B4-BE49-F238E27FC236}">
+                <a16:creationId xmlns:a16="http://schemas.microsoft.com/office/drawing/2014/main" id="{16D21E2E-FAED-4F03-BEE7-77785BE8A5AC}"/>
+              </a:ext>
+            </a:extLst>
+          </p:cNvPr>
+          <p:cNvSpPr/>
+          <p:nvPr/>
+        </p:nvSpPr>
+        <p:spPr>
+          <a:xfrm>
+            <a:off x="624601" y="2802702"/>
+            <a:ext cx="2460344" cy="923637"/>
+          </a:xfrm>
+          <a:prstGeom prst="diamond">
+            <a:avLst/>
+          </a:prstGeom>
+        </p:spPr>
+        <p:style>
+          <a:lnRef idx="2">
+            <a:schemeClr val="accent1">
+              <a:shade val="50000"/>
+            </a:schemeClr>
+          </a:lnRef>
+          <a:fillRef idx="1">
+            <a:schemeClr val="accent1"/>
+          </a:fillRef>
+          <a:effectRef idx="0">
+            <a:schemeClr val="accent1"/>
+          </a:effectRef>
+          <a:fontRef idx="minor">
+            <a:schemeClr val="lt1"/>
+          </a:fontRef>
+        </p:style>
+        <p:txBody>
+          <a:bodyPr rtlCol="0" anchor="ctr"/>
+          <a:lstStyle/>
+          <a:p>
+            <a:pPr algn="ctr"/>
+            <a:r>
+              <a:rPr lang="en-US" sz="1200" dirty="0"/>
+              <a:t>IMAGEM ESTÁ NITIDA?</a:t>
+            </a:r>
+          </a:p>
+        </p:txBody>
+      </p:sp>
+      <p:sp>
+        <p:nvSpPr>
+          <p:cNvPr id="15" name="Rectangle 14">
+            <a:extLst>
+              <a:ext uri="{FF2B5EF4-FFF2-40B4-BE49-F238E27FC236}">
+                <a16:creationId xmlns:a16="http://schemas.microsoft.com/office/drawing/2014/main" id="{B22A4475-C346-4F69-BCF1-147A9707A68F}"/>
+              </a:ext>
+            </a:extLst>
+          </p:cNvPr>
+          <p:cNvSpPr/>
+          <p:nvPr/>
+        </p:nvSpPr>
+        <p:spPr>
+          <a:xfrm>
+            <a:off x="1091617" y="4333702"/>
+            <a:ext cx="1526311" cy="581891"/>
+          </a:xfrm>
+          <a:prstGeom prst="rect">
+            <a:avLst/>
+          </a:prstGeom>
+        </p:spPr>
+        <p:style>
+          <a:lnRef idx="2">
+            <a:schemeClr val="accent1">
+              <a:shade val="50000"/>
+            </a:schemeClr>
+          </a:lnRef>
+          <a:fillRef idx="1">
+            <a:schemeClr val="accent1"/>
+          </a:fillRef>
+          <a:effectRef idx="0">
+            <a:schemeClr val="accent1"/>
+          </a:effectRef>
+          <a:fontRef idx="minor">
+            <a:schemeClr val="lt1"/>
+          </a:fontRef>
+        </p:style>
+        <p:txBody>
+          <a:bodyPr rtlCol="0" anchor="ctr"/>
+          <a:lstStyle/>
+          <a:p>
+            <a:pPr algn="ctr"/>
+            <a:r>
+              <a:rPr lang="en-US" sz="1200" dirty="0"/>
+              <a:t>ENVIAR PARA O SERVIDOR</a:t>
+            </a:r>
+          </a:p>
+        </p:txBody>
+      </p:sp>
+      <p:sp>
+        <p:nvSpPr>
+          <p:cNvPr id="16" name="Rectangle 15">
+            <a:extLst>
+              <a:ext uri="{FF2B5EF4-FFF2-40B4-BE49-F238E27FC236}">
+                <a16:creationId xmlns:a16="http://schemas.microsoft.com/office/drawing/2014/main" id="{A4013128-68CB-4D5B-854A-D5473F9A8C0B}"/>
+              </a:ext>
+            </a:extLst>
+          </p:cNvPr>
+          <p:cNvSpPr/>
+          <p:nvPr/>
+        </p:nvSpPr>
+        <p:spPr>
+          <a:xfrm>
+            <a:off x="3668562" y="2973574"/>
+            <a:ext cx="1526311" cy="581891"/>
+          </a:xfrm>
+          <a:prstGeom prst="rect">
+            <a:avLst/>
+          </a:prstGeom>
+        </p:spPr>
+        <p:style>
+          <a:lnRef idx="2">
+            <a:schemeClr val="accent1">
+              <a:shade val="50000"/>
+            </a:schemeClr>
+          </a:lnRef>
+          <a:fillRef idx="1">
+            <a:schemeClr val="accent1"/>
+          </a:fillRef>
+          <a:effectRef idx="0">
+            <a:schemeClr val="accent1"/>
+          </a:effectRef>
+          <a:fontRef idx="minor">
+            <a:schemeClr val="lt1"/>
+          </a:fontRef>
+        </p:style>
+        <p:txBody>
+          <a:bodyPr rtlCol="0" anchor="ctr"/>
+          <a:lstStyle/>
+          <a:p>
+            <a:pPr algn="ctr"/>
+            <a:r>
+              <a:rPr lang="en-US" sz="1200" dirty="0"/>
+              <a:t>CANCELAR</a:t>
+            </a:r>
+          </a:p>
+        </p:txBody>
+      </p:sp>
+      <p:sp>
+        <p:nvSpPr>
+          <p:cNvPr id="17" name="Rectangle 16">
+            <a:extLst>
+              <a:ext uri="{FF2B5EF4-FFF2-40B4-BE49-F238E27FC236}">
+                <a16:creationId xmlns:a16="http://schemas.microsoft.com/office/drawing/2014/main" id="{0116F844-D6A3-4E5C-8A91-2AB93818CAA2}"/>
+              </a:ext>
+            </a:extLst>
+          </p:cNvPr>
+          <p:cNvSpPr/>
+          <p:nvPr/>
+        </p:nvSpPr>
+        <p:spPr>
+          <a:xfrm>
+            <a:off x="1091616" y="5522956"/>
+            <a:ext cx="1526311" cy="581891"/>
+          </a:xfrm>
+          <a:prstGeom prst="rect">
+            <a:avLst/>
+          </a:prstGeom>
+        </p:spPr>
+        <p:style>
+          <a:lnRef idx="2">
+            <a:schemeClr val="accent1">
+              <a:shade val="50000"/>
+            </a:schemeClr>
+          </a:lnRef>
+          <a:fillRef idx="1">
+            <a:schemeClr val="accent1"/>
+          </a:fillRef>
+          <a:effectRef idx="0">
+            <a:schemeClr val="accent1"/>
+          </a:effectRef>
+          <a:fontRef idx="minor">
+            <a:schemeClr val="lt1"/>
+          </a:fontRef>
+        </p:style>
+        <p:txBody>
+          <a:bodyPr rtlCol="0" anchor="ctr"/>
+          <a:lstStyle/>
+          <a:p>
+            <a:pPr algn="ctr"/>
+            <a:r>
+              <a:rPr lang="en-US" sz="1200" dirty="0"/>
+              <a:t>CONFERIR RESULTADO DO SERVIDOR</a:t>
             </a:r>
           </a:p>
         </p:txBody>
@@ -4161,6 +4160,1102 @@
     <p:extLst>
       <p:ext uri="{BB962C8B-B14F-4D97-AF65-F5344CB8AC3E}">
         <p14:creationId xmlns:p14="http://schemas.microsoft.com/office/powerpoint/2010/main" val="312142513"/>
+      </p:ext>
+    </p:extLst>
+  </p:cSld>
+  <p:clrMapOvr>
+    <a:masterClrMapping/>
+  </p:clrMapOvr>
+</p:sld>
+</file>
+
+<file path=ppt/slides/slide3.xml><?xml version="1.0" encoding="utf-8"?>
+<p:sld xmlns:a="http://schemas.openxmlformats.org/drawingml/2006/main" xmlns:r="http://schemas.openxmlformats.org/officeDocument/2006/relationships" xmlns:p="http://schemas.openxmlformats.org/presentationml/2006/main">
+  <p:cSld>
+    <p:spTree>
+      <p:nvGrpSpPr>
+        <p:cNvPr id="1" name=""/>
+        <p:cNvGrpSpPr/>
+        <p:nvPr/>
+      </p:nvGrpSpPr>
+      <p:grpSpPr>
+        <a:xfrm>
+          <a:off x="0" y="0"/>
+          <a:ext cx="0" cy="0"/>
+          <a:chOff x="0" y="0"/>
+          <a:chExt cx="0" cy="0"/>
+        </a:xfrm>
+      </p:grpSpPr>
+      <p:sp>
+        <p:nvSpPr>
+          <p:cNvPr id="4" name="Rectangle 3">
+            <a:extLst>
+              <a:ext uri="{FF2B5EF4-FFF2-40B4-BE49-F238E27FC236}">
+                <a16:creationId xmlns:a16="http://schemas.microsoft.com/office/drawing/2014/main" id="{ED0C0978-1D66-4007-BFD9-FA4E6A49E342}"/>
+              </a:ext>
+            </a:extLst>
+          </p:cNvPr>
+          <p:cNvSpPr/>
+          <p:nvPr/>
+        </p:nvSpPr>
+        <p:spPr>
+          <a:xfrm>
+            <a:off x="2429164" y="1283855"/>
+            <a:ext cx="646545" cy="591127"/>
+          </a:xfrm>
+          <a:prstGeom prst="rect">
+            <a:avLst/>
+          </a:prstGeom>
+        </p:spPr>
+        <p:style>
+          <a:lnRef idx="2">
+            <a:schemeClr val="accent1">
+              <a:shade val="50000"/>
+            </a:schemeClr>
+          </a:lnRef>
+          <a:fillRef idx="1">
+            <a:schemeClr val="accent1"/>
+          </a:fillRef>
+          <a:effectRef idx="0">
+            <a:schemeClr val="accent1"/>
+          </a:effectRef>
+          <a:fontRef idx="minor">
+            <a:schemeClr val="lt1"/>
+          </a:fontRef>
+        </p:style>
+        <p:txBody>
+          <a:bodyPr rtlCol="0" anchor="ctr"/>
+          <a:lstStyle/>
+          <a:p>
+            <a:pPr algn="ctr"/>
+            <a:endParaRPr lang="en-US"/>
+          </a:p>
+        </p:txBody>
+      </p:sp>
+      <p:sp>
+        <p:nvSpPr>
+          <p:cNvPr id="5" name="Rectangle 4">
+            <a:extLst>
+              <a:ext uri="{FF2B5EF4-FFF2-40B4-BE49-F238E27FC236}">
+                <a16:creationId xmlns:a16="http://schemas.microsoft.com/office/drawing/2014/main" id="{593D7774-B1E3-43F8-84DC-C50AAC10A5A8}"/>
+              </a:ext>
+            </a:extLst>
+          </p:cNvPr>
+          <p:cNvSpPr/>
+          <p:nvPr/>
+        </p:nvSpPr>
+        <p:spPr>
+          <a:xfrm>
+            <a:off x="3371273" y="1283854"/>
+            <a:ext cx="646545" cy="591127"/>
+          </a:xfrm>
+          <a:prstGeom prst="rect">
+            <a:avLst/>
+          </a:prstGeom>
+        </p:spPr>
+        <p:style>
+          <a:lnRef idx="2">
+            <a:schemeClr val="accent1">
+              <a:shade val="50000"/>
+            </a:schemeClr>
+          </a:lnRef>
+          <a:fillRef idx="1">
+            <a:schemeClr val="accent1"/>
+          </a:fillRef>
+          <a:effectRef idx="0">
+            <a:schemeClr val="accent1"/>
+          </a:effectRef>
+          <a:fontRef idx="minor">
+            <a:schemeClr val="lt1"/>
+          </a:fontRef>
+        </p:style>
+        <p:txBody>
+          <a:bodyPr rtlCol="0" anchor="ctr"/>
+          <a:lstStyle/>
+          <a:p>
+            <a:pPr algn="ctr"/>
+            <a:endParaRPr lang="en-US"/>
+          </a:p>
+        </p:txBody>
+      </p:sp>
+      <p:sp>
+        <p:nvSpPr>
+          <p:cNvPr id="6" name="Rectangle 5">
+            <a:extLst>
+              <a:ext uri="{FF2B5EF4-FFF2-40B4-BE49-F238E27FC236}">
+                <a16:creationId xmlns:a16="http://schemas.microsoft.com/office/drawing/2014/main" id="{8E8B4327-E690-498D-AEB9-044B9A1FF15F}"/>
+              </a:ext>
+            </a:extLst>
+          </p:cNvPr>
+          <p:cNvSpPr/>
+          <p:nvPr/>
+        </p:nvSpPr>
+        <p:spPr>
+          <a:xfrm>
+            <a:off x="4378037" y="1283853"/>
+            <a:ext cx="646545" cy="591127"/>
+          </a:xfrm>
+          <a:prstGeom prst="rect">
+            <a:avLst/>
+          </a:prstGeom>
+        </p:spPr>
+        <p:style>
+          <a:lnRef idx="2">
+            <a:schemeClr val="accent1">
+              <a:shade val="50000"/>
+            </a:schemeClr>
+          </a:lnRef>
+          <a:fillRef idx="1">
+            <a:schemeClr val="accent1"/>
+          </a:fillRef>
+          <a:effectRef idx="0">
+            <a:schemeClr val="accent1"/>
+          </a:effectRef>
+          <a:fontRef idx="minor">
+            <a:schemeClr val="lt1"/>
+          </a:fontRef>
+        </p:style>
+        <p:txBody>
+          <a:bodyPr rtlCol="0" anchor="ctr"/>
+          <a:lstStyle/>
+          <a:p>
+            <a:pPr algn="ctr"/>
+            <a:endParaRPr lang="en-US"/>
+          </a:p>
+        </p:txBody>
+      </p:sp>
+      <p:sp>
+        <p:nvSpPr>
+          <p:cNvPr id="7" name="Rectangle 6">
+            <a:extLst>
+              <a:ext uri="{FF2B5EF4-FFF2-40B4-BE49-F238E27FC236}">
+                <a16:creationId xmlns:a16="http://schemas.microsoft.com/office/drawing/2014/main" id="{1987DA99-85FB-4CDE-85AA-729EF5869B7D}"/>
+              </a:ext>
+            </a:extLst>
+          </p:cNvPr>
+          <p:cNvSpPr/>
+          <p:nvPr/>
+        </p:nvSpPr>
+        <p:spPr>
+          <a:xfrm>
+            <a:off x="5320146" y="1283853"/>
+            <a:ext cx="646545" cy="591127"/>
+          </a:xfrm>
+          <a:prstGeom prst="rect">
+            <a:avLst/>
+          </a:prstGeom>
+        </p:spPr>
+        <p:style>
+          <a:lnRef idx="2">
+            <a:schemeClr val="accent1">
+              <a:shade val="50000"/>
+            </a:schemeClr>
+          </a:lnRef>
+          <a:fillRef idx="1">
+            <a:schemeClr val="accent1"/>
+          </a:fillRef>
+          <a:effectRef idx="0">
+            <a:schemeClr val="accent1"/>
+          </a:effectRef>
+          <a:fontRef idx="minor">
+            <a:schemeClr val="lt1"/>
+          </a:fontRef>
+        </p:style>
+        <p:txBody>
+          <a:bodyPr rtlCol="0" anchor="ctr"/>
+          <a:lstStyle/>
+          <a:p>
+            <a:pPr algn="ctr"/>
+            <a:endParaRPr lang="en-US"/>
+          </a:p>
+        </p:txBody>
+      </p:sp>
+      <p:sp>
+        <p:nvSpPr>
+          <p:cNvPr id="8" name="Rectangle 7">
+            <a:extLst>
+              <a:ext uri="{FF2B5EF4-FFF2-40B4-BE49-F238E27FC236}">
+                <a16:creationId xmlns:a16="http://schemas.microsoft.com/office/drawing/2014/main" id="{1BCFD81D-D26E-4CF5-AA5E-D2E674C80806}"/>
+              </a:ext>
+            </a:extLst>
+          </p:cNvPr>
+          <p:cNvSpPr/>
+          <p:nvPr/>
+        </p:nvSpPr>
+        <p:spPr>
+          <a:xfrm>
+            <a:off x="3823854" y="2094344"/>
+            <a:ext cx="785091" cy="796636"/>
+          </a:xfrm>
+          <a:prstGeom prst="rect">
+            <a:avLst/>
+          </a:prstGeom>
+        </p:spPr>
+        <p:style>
+          <a:lnRef idx="2">
+            <a:schemeClr val="accent4">
+              <a:shade val="50000"/>
+            </a:schemeClr>
+          </a:lnRef>
+          <a:fillRef idx="1">
+            <a:schemeClr val="accent4"/>
+          </a:fillRef>
+          <a:effectRef idx="0">
+            <a:schemeClr val="accent4"/>
+          </a:effectRef>
+          <a:fontRef idx="minor">
+            <a:schemeClr val="lt1"/>
+          </a:fontRef>
+        </p:style>
+        <p:txBody>
+          <a:bodyPr rtlCol="0" anchor="ctr"/>
+          <a:lstStyle/>
+          <a:p>
+            <a:pPr algn="ctr"/>
+            <a:endParaRPr lang="en-US" dirty="0"/>
+          </a:p>
+        </p:txBody>
+      </p:sp>
+      <p:sp>
+        <p:nvSpPr>
+          <p:cNvPr id="9" name="Rectangle 8">
+            <a:extLst>
+              <a:ext uri="{FF2B5EF4-FFF2-40B4-BE49-F238E27FC236}">
+                <a16:creationId xmlns:a16="http://schemas.microsoft.com/office/drawing/2014/main" id="{CE62DA9D-6606-4022-81A9-B8478ABF3669}"/>
+              </a:ext>
+            </a:extLst>
+          </p:cNvPr>
+          <p:cNvSpPr/>
+          <p:nvPr/>
+        </p:nvSpPr>
+        <p:spPr>
+          <a:xfrm>
+            <a:off x="3823853" y="3110343"/>
+            <a:ext cx="785091" cy="637309"/>
+          </a:xfrm>
+          <a:prstGeom prst="rect">
+            <a:avLst/>
+          </a:prstGeom>
+        </p:spPr>
+        <p:style>
+          <a:lnRef idx="2">
+            <a:schemeClr val="accent2">
+              <a:shade val="50000"/>
+            </a:schemeClr>
+          </a:lnRef>
+          <a:fillRef idx="1">
+            <a:schemeClr val="accent2"/>
+          </a:fillRef>
+          <a:effectRef idx="0">
+            <a:schemeClr val="accent2"/>
+          </a:effectRef>
+          <a:fontRef idx="minor">
+            <a:schemeClr val="lt1"/>
+          </a:fontRef>
+        </p:style>
+        <p:txBody>
+          <a:bodyPr rtlCol="0" anchor="ctr"/>
+          <a:lstStyle/>
+          <a:p>
+            <a:pPr algn="ctr"/>
+            <a:endParaRPr lang="en-US" dirty="0"/>
+          </a:p>
+        </p:txBody>
+      </p:sp>
+      <p:sp>
+        <p:nvSpPr>
+          <p:cNvPr id="10" name="Rectangle 9">
+            <a:extLst>
+              <a:ext uri="{FF2B5EF4-FFF2-40B4-BE49-F238E27FC236}">
+                <a16:creationId xmlns:a16="http://schemas.microsoft.com/office/drawing/2014/main" id="{A9B417A5-C4B8-436B-9757-DF4E9924F252}"/>
+              </a:ext>
+            </a:extLst>
+          </p:cNvPr>
+          <p:cNvSpPr/>
+          <p:nvPr/>
+        </p:nvSpPr>
+        <p:spPr>
+          <a:xfrm>
+            <a:off x="1025233" y="4197928"/>
+            <a:ext cx="785091" cy="637309"/>
+          </a:xfrm>
+          <a:prstGeom prst="rect">
+            <a:avLst/>
+          </a:prstGeom>
+        </p:spPr>
+        <p:style>
+          <a:lnRef idx="2">
+            <a:schemeClr val="accent3">
+              <a:shade val="50000"/>
+            </a:schemeClr>
+          </a:lnRef>
+          <a:fillRef idx="1">
+            <a:schemeClr val="accent3"/>
+          </a:fillRef>
+          <a:effectRef idx="0">
+            <a:schemeClr val="accent3"/>
+          </a:effectRef>
+          <a:fontRef idx="minor">
+            <a:schemeClr val="lt1"/>
+          </a:fontRef>
+        </p:style>
+        <p:txBody>
+          <a:bodyPr rtlCol="0" anchor="ctr"/>
+          <a:lstStyle/>
+          <a:p>
+            <a:pPr algn="ctr"/>
+            <a:endParaRPr lang="en-US" dirty="0"/>
+          </a:p>
+        </p:txBody>
+      </p:sp>
+      <p:sp>
+        <p:nvSpPr>
+          <p:cNvPr id="11" name="Rectangle 10">
+            <a:extLst>
+              <a:ext uri="{FF2B5EF4-FFF2-40B4-BE49-F238E27FC236}">
+                <a16:creationId xmlns:a16="http://schemas.microsoft.com/office/drawing/2014/main" id="{BED768FD-3311-4861-87D9-91AD3A4219DE}"/>
+              </a:ext>
+            </a:extLst>
+          </p:cNvPr>
+          <p:cNvSpPr/>
+          <p:nvPr/>
+        </p:nvSpPr>
+        <p:spPr>
+          <a:xfrm>
+            <a:off x="1958106" y="4197927"/>
+            <a:ext cx="785091" cy="637309"/>
+          </a:xfrm>
+          <a:prstGeom prst="rect">
+            <a:avLst/>
+          </a:prstGeom>
+        </p:spPr>
+        <p:style>
+          <a:lnRef idx="2">
+            <a:schemeClr val="accent3">
+              <a:shade val="50000"/>
+            </a:schemeClr>
+          </a:lnRef>
+          <a:fillRef idx="1">
+            <a:schemeClr val="accent3"/>
+          </a:fillRef>
+          <a:effectRef idx="0">
+            <a:schemeClr val="accent3"/>
+          </a:effectRef>
+          <a:fontRef idx="minor">
+            <a:schemeClr val="lt1"/>
+          </a:fontRef>
+        </p:style>
+        <p:txBody>
+          <a:bodyPr rtlCol="0" anchor="ctr"/>
+          <a:lstStyle/>
+          <a:p>
+            <a:pPr algn="ctr"/>
+            <a:endParaRPr lang="en-US" dirty="0"/>
+          </a:p>
+        </p:txBody>
+      </p:sp>
+      <p:sp>
+        <p:nvSpPr>
+          <p:cNvPr id="12" name="Rectangle 11">
+            <a:extLst>
+              <a:ext uri="{FF2B5EF4-FFF2-40B4-BE49-F238E27FC236}">
+                <a16:creationId xmlns:a16="http://schemas.microsoft.com/office/drawing/2014/main" id="{2BE39AF1-570F-4010-B756-38CACADB94F1}"/>
+              </a:ext>
+            </a:extLst>
+          </p:cNvPr>
+          <p:cNvSpPr/>
+          <p:nvPr/>
+        </p:nvSpPr>
+        <p:spPr>
+          <a:xfrm>
+            <a:off x="2890979" y="4197926"/>
+            <a:ext cx="785091" cy="637309"/>
+          </a:xfrm>
+          <a:prstGeom prst="rect">
+            <a:avLst/>
+          </a:prstGeom>
+        </p:spPr>
+        <p:style>
+          <a:lnRef idx="2">
+            <a:schemeClr val="accent3">
+              <a:shade val="50000"/>
+            </a:schemeClr>
+          </a:lnRef>
+          <a:fillRef idx="1">
+            <a:schemeClr val="accent3"/>
+          </a:fillRef>
+          <a:effectRef idx="0">
+            <a:schemeClr val="accent3"/>
+          </a:effectRef>
+          <a:fontRef idx="minor">
+            <a:schemeClr val="lt1"/>
+          </a:fontRef>
+        </p:style>
+        <p:txBody>
+          <a:bodyPr rtlCol="0" anchor="ctr"/>
+          <a:lstStyle/>
+          <a:p>
+            <a:pPr algn="ctr"/>
+            <a:endParaRPr lang="en-US" dirty="0"/>
+          </a:p>
+        </p:txBody>
+      </p:sp>
+      <p:sp>
+        <p:nvSpPr>
+          <p:cNvPr id="13" name="Rectangle 12">
+            <a:extLst>
+              <a:ext uri="{FF2B5EF4-FFF2-40B4-BE49-F238E27FC236}">
+                <a16:creationId xmlns:a16="http://schemas.microsoft.com/office/drawing/2014/main" id="{ED2F733C-5271-4217-B187-42F9CA063A5B}"/>
+              </a:ext>
+            </a:extLst>
+          </p:cNvPr>
+          <p:cNvSpPr/>
+          <p:nvPr/>
+        </p:nvSpPr>
+        <p:spPr>
+          <a:xfrm>
+            <a:off x="3823852" y="4197925"/>
+            <a:ext cx="785091" cy="637309"/>
+          </a:xfrm>
+          <a:prstGeom prst="rect">
+            <a:avLst/>
+          </a:prstGeom>
+        </p:spPr>
+        <p:style>
+          <a:lnRef idx="2">
+            <a:schemeClr val="accent3">
+              <a:shade val="50000"/>
+            </a:schemeClr>
+          </a:lnRef>
+          <a:fillRef idx="1">
+            <a:schemeClr val="accent3"/>
+          </a:fillRef>
+          <a:effectRef idx="0">
+            <a:schemeClr val="accent3"/>
+          </a:effectRef>
+          <a:fontRef idx="minor">
+            <a:schemeClr val="lt1"/>
+          </a:fontRef>
+        </p:style>
+        <p:txBody>
+          <a:bodyPr rtlCol="0" anchor="ctr"/>
+          <a:lstStyle/>
+          <a:p>
+            <a:pPr algn="ctr"/>
+            <a:endParaRPr lang="en-US" dirty="0"/>
+          </a:p>
+        </p:txBody>
+      </p:sp>
+      <p:sp>
+        <p:nvSpPr>
+          <p:cNvPr id="14" name="Rectangle 13">
+            <a:extLst>
+              <a:ext uri="{FF2B5EF4-FFF2-40B4-BE49-F238E27FC236}">
+                <a16:creationId xmlns:a16="http://schemas.microsoft.com/office/drawing/2014/main" id="{2E69383A-0CE7-49A2-99F1-0A05D3DB4FAC}"/>
+              </a:ext>
+            </a:extLst>
+          </p:cNvPr>
+          <p:cNvSpPr/>
+          <p:nvPr/>
+        </p:nvSpPr>
+        <p:spPr>
+          <a:xfrm>
+            <a:off x="7255162" y="2534099"/>
+            <a:ext cx="785091" cy="637309"/>
+          </a:xfrm>
+          <a:prstGeom prst="rect">
+            <a:avLst/>
+          </a:prstGeom>
+        </p:spPr>
+        <p:style>
+          <a:lnRef idx="2">
+            <a:schemeClr val="accent6">
+              <a:shade val="50000"/>
+            </a:schemeClr>
+          </a:lnRef>
+          <a:fillRef idx="1">
+            <a:schemeClr val="accent6"/>
+          </a:fillRef>
+          <a:effectRef idx="0">
+            <a:schemeClr val="accent6"/>
+          </a:effectRef>
+          <a:fontRef idx="minor">
+            <a:schemeClr val="lt1"/>
+          </a:fontRef>
+        </p:style>
+        <p:txBody>
+          <a:bodyPr rtlCol="0" anchor="ctr"/>
+          <a:lstStyle/>
+          <a:p>
+            <a:pPr algn="ctr"/>
+            <a:endParaRPr lang="en-US" dirty="0"/>
+          </a:p>
+        </p:txBody>
+      </p:sp>
+      <p:sp>
+        <p:nvSpPr>
+          <p:cNvPr id="15" name="Rectangle 14">
+            <a:extLst>
+              <a:ext uri="{FF2B5EF4-FFF2-40B4-BE49-F238E27FC236}">
+                <a16:creationId xmlns:a16="http://schemas.microsoft.com/office/drawing/2014/main" id="{FF2E371A-52BB-4D92-A6F0-E3CEA5CEC31D}"/>
+              </a:ext>
+            </a:extLst>
+          </p:cNvPr>
+          <p:cNvSpPr/>
+          <p:nvPr/>
+        </p:nvSpPr>
+        <p:spPr>
+          <a:xfrm>
+            <a:off x="8220364" y="2534098"/>
+            <a:ext cx="785091" cy="637309"/>
+          </a:xfrm>
+          <a:prstGeom prst="rect">
+            <a:avLst/>
+          </a:prstGeom>
+        </p:spPr>
+        <p:style>
+          <a:lnRef idx="2">
+            <a:schemeClr val="accent6">
+              <a:shade val="50000"/>
+            </a:schemeClr>
+          </a:lnRef>
+          <a:fillRef idx="1">
+            <a:schemeClr val="accent6"/>
+          </a:fillRef>
+          <a:effectRef idx="0">
+            <a:schemeClr val="accent6"/>
+          </a:effectRef>
+          <a:fontRef idx="minor">
+            <a:schemeClr val="lt1"/>
+          </a:fontRef>
+        </p:style>
+        <p:txBody>
+          <a:bodyPr rtlCol="0" anchor="ctr"/>
+          <a:lstStyle/>
+          <a:p>
+            <a:pPr algn="ctr"/>
+            <a:endParaRPr lang="en-US" dirty="0"/>
+          </a:p>
+        </p:txBody>
+      </p:sp>
+      <p:sp>
+        <p:nvSpPr>
+          <p:cNvPr id="16" name="Rectangle 15">
+            <a:extLst>
+              <a:ext uri="{FF2B5EF4-FFF2-40B4-BE49-F238E27FC236}">
+                <a16:creationId xmlns:a16="http://schemas.microsoft.com/office/drawing/2014/main" id="{D4C74CBA-8E3D-4AD3-940B-507B74E746B9}"/>
+              </a:ext>
+            </a:extLst>
+          </p:cNvPr>
+          <p:cNvSpPr/>
+          <p:nvPr/>
+        </p:nvSpPr>
+        <p:spPr>
+          <a:xfrm>
+            <a:off x="9185566" y="2534098"/>
+            <a:ext cx="785091" cy="637309"/>
+          </a:xfrm>
+          <a:prstGeom prst="rect">
+            <a:avLst/>
+          </a:prstGeom>
+        </p:spPr>
+        <p:style>
+          <a:lnRef idx="2">
+            <a:schemeClr val="accent6">
+              <a:shade val="50000"/>
+            </a:schemeClr>
+          </a:lnRef>
+          <a:fillRef idx="1">
+            <a:schemeClr val="accent6"/>
+          </a:fillRef>
+          <a:effectRef idx="0">
+            <a:schemeClr val="accent6"/>
+          </a:effectRef>
+          <a:fontRef idx="minor">
+            <a:schemeClr val="lt1"/>
+          </a:fontRef>
+        </p:style>
+        <p:txBody>
+          <a:bodyPr rtlCol="0" anchor="ctr"/>
+          <a:lstStyle/>
+          <a:p>
+            <a:pPr algn="ctr"/>
+            <a:endParaRPr lang="en-US" dirty="0"/>
+          </a:p>
+        </p:txBody>
+      </p:sp>
+      <p:sp>
+        <p:nvSpPr>
+          <p:cNvPr id="17" name="TextBox 16">
+            <a:extLst>
+              <a:ext uri="{FF2B5EF4-FFF2-40B4-BE49-F238E27FC236}">
+                <a16:creationId xmlns:a16="http://schemas.microsoft.com/office/drawing/2014/main" id="{37C8095C-D834-4BE6-8414-31480FDBA012}"/>
+              </a:ext>
+            </a:extLst>
+          </p:cNvPr>
+          <p:cNvSpPr txBox="1"/>
+          <p:nvPr/>
+        </p:nvSpPr>
+        <p:spPr>
+          <a:xfrm>
+            <a:off x="6165274" y="1394750"/>
+            <a:ext cx="1533236" cy="369332"/>
+          </a:xfrm>
+          <a:prstGeom prst="rect">
+            <a:avLst/>
+          </a:prstGeom>
+          <a:noFill/>
+        </p:spPr>
+        <p:txBody>
+          <a:bodyPr wrap="square" rtlCol="0">
+            <a:spAutoFit/>
+          </a:bodyPr>
+          <a:lstStyle/>
+          <a:p>
+            <a:r>
+              <a:rPr lang="en-US" dirty="0"/>
+              <a:t>PLCS TAKTS</a:t>
+            </a:r>
+          </a:p>
+        </p:txBody>
+      </p:sp>
+      <p:sp>
+        <p:nvSpPr>
+          <p:cNvPr id="18" name="TextBox 17">
+            <a:extLst>
+              <a:ext uri="{FF2B5EF4-FFF2-40B4-BE49-F238E27FC236}">
+                <a16:creationId xmlns:a16="http://schemas.microsoft.com/office/drawing/2014/main" id="{35D890F0-E5AA-4ED5-BFFF-AF66AAFFC243}"/>
+              </a:ext>
+            </a:extLst>
+          </p:cNvPr>
+          <p:cNvSpPr txBox="1"/>
+          <p:nvPr/>
+        </p:nvSpPr>
+        <p:spPr>
+          <a:xfrm>
+            <a:off x="2604653" y="2267176"/>
+            <a:ext cx="1265382" cy="369332"/>
+          </a:xfrm>
+          <a:prstGeom prst="rect">
+            <a:avLst/>
+          </a:prstGeom>
+          <a:noFill/>
+        </p:spPr>
+        <p:txBody>
+          <a:bodyPr wrap="square" rtlCol="0">
+            <a:spAutoFit/>
+          </a:bodyPr>
+          <a:lstStyle/>
+          <a:p>
+            <a:r>
+              <a:rPr lang="en-US" dirty="0"/>
+              <a:t>PLC PRIDE</a:t>
+            </a:r>
+          </a:p>
+        </p:txBody>
+      </p:sp>
+      <p:sp>
+        <p:nvSpPr>
+          <p:cNvPr id="19" name="TextBox 18">
+            <a:extLst>
+              <a:ext uri="{FF2B5EF4-FFF2-40B4-BE49-F238E27FC236}">
+                <a16:creationId xmlns:a16="http://schemas.microsoft.com/office/drawing/2014/main" id="{380E09B0-3F48-45B3-8E2B-4FD0A137C990}"/>
+              </a:ext>
+            </a:extLst>
+          </p:cNvPr>
+          <p:cNvSpPr txBox="1"/>
+          <p:nvPr/>
+        </p:nvSpPr>
+        <p:spPr>
+          <a:xfrm>
+            <a:off x="4701309" y="3110343"/>
+            <a:ext cx="1265382" cy="646331"/>
+          </a:xfrm>
+          <a:prstGeom prst="rect">
+            <a:avLst/>
+          </a:prstGeom>
+          <a:noFill/>
+        </p:spPr>
+        <p:txBody>
+          <a:bodyPr wrap="square" rtlCol="0">
+            <a:spAutoFit/>
+          </a:bodyPr>
+          <a:lstStyle/>
+          <a:p>
+            <a:r>
+              <a:rPr lang="en-US" dirty="0"/>
+              <a:t>RASPBERRY</a:t>
+            </a:r>
+          </a:p>
+          <a:p>
+            <a:r>
+              <a:rPr lang="en-US" dirty="0"/>
+              <a:t>(LINUX)</a:t>
+            </a:r>
+          </a:p>
+        </p:txBody>
+      </p:sp>
+      <p:sp>
+        <p:nvSpPr>
+          <p:cNvPr id="20" name="TextBox 19">
+            <a:extLst>
+              <a:ext uri="{FF2B5EF4-FFF2-40B4-BE49-F238E27FC236}">
+                <a16:creationId xmlns:a16="http://schemas.microsoft.com/office/drawing/2014/main" id="{44F3AC90-834D-46E2-B86F-02F3879161DC}"/>
+              </a:ext>
+            </a:extLst>
+          </p:cNvPr>
+          <p:cNvSpPr txBox="1"/>
+          <p:nvPr/>
+        </p:nvSpPr>
+        <p:spPr>
+          <a:xfrm>
+            <a:off x="2018141" y="4927814"/>
+            <a:ext cx="1657929" cy="369332"/>
+          </a:xfrm>
+          <a:prstGeom prst="rect">
+            <a:avLst/>
+          </a:prstGeom>
+          <a:noFill/>
+        </p:spPr>
+        <p:txBody>
+          <a:bodyPr wrap="square" rtlCol="0">
+            <a:spAutoFit/>
+          </a:bodyPr>
+          <a:lstStyle/>
+          <a:p>
+            <a:r>
+              <a:rPr lang="en-US" dirty="0"/>
+              <a:t>TABLETS (WEB)</a:t>
+            </a:r>
+          </a:p>
+        </p:txBody>
+      </p:sp>
+      <p:cxnSp>
+        <p:nvCxnSpPr>
+          <p:cNvPr id="22" name="Straight Arrow Connector 21">
+            <a:extLst>
+              <a:ext uri="{FF2B5EF4-FFF2-40B4-BE49-F238E27FC236}">
+                <a16:creationId xmlns:a16="http://schemas.microsoft.com/office/drawing/2014/main" id="{1A93A693-8FD8-4A85-9088-E1852BE9B4A3}"/>
+              </a:ext>
+            </a:extLst>
+          </p:cNvPr>
+          <p:cNvCxnSpPr>
+            <a:endCxn id="8" idx="0"/>
+          </p:cNvCxnSpPr>
+          <p:nvPr/>
+        </p:nvCxnSpPr>
+        <p:spPr>
+          <a:xfrm flipH="1">
+            <a:off x="4216400" y="1874980"/>
+            <a:ext cx="471055" cy="219364"/>
+          </a:xfrm>
+          <a:prstGeom prst="straightConnector1">
+            <a:avLst/>
+          </a:prstGeom>
+          <a:ln>
+            <a:tailEnd type="triangle"/>
+          </a:ln>
+        </p:spPr>
+        <p:style>
+          <a:lnRef idx="1">
+            <a:schemeClr val="accent1"/>
+          </a:lnRef>
+          <a:fillRef idx="0">
+            <a:schemeClr val="accent1"/>
+          </a:fillRef>
+          <a:effectRef idx="0">
+            <a:schemeClr val="accent1"/>
+          </a:effectRef>
+          <a:fontRef idx="minor">
+            <a:schemeClr val="tx1"/>
+          </a:fontRef>
+        </p:style>
+      </p:cxnSp>
+      <p:cxnSp>
+        <p:nvCxnSpPr>
+          <p:cNvPr id="23" name="Straight Arrow Connector 22">
+            <a:extLst>
+              <a:ext uri="{FF2B5EF4-FFF2-40B4-BE49-F238E27FC236}">
+                <a16:creationId xmlns:a16="http://schemas.microsoft.com/office/drawing/2014/main" id="{84E2CF92-4312-42F9-8858-61C2214DA030}"/>
+              </a:ext>
+            </a:extLst>
+          </p:cNvPr>
+          <p:cNvCxnSpPr>
+            <a:cxnSpLocks/>
+            <a:endCxn id="9" idx="0"/>
+          </p:cNvCxnSpPr>
+          <p:nvPr/>
+        </p:nvCxnSpPr>
+        <p:spPr>
+          <a:xfrm>
+            <a:off x="4197923" y="2896752"/>
+            <a:ext cx="18476" cy="213591"/>
+          </a:xfrm>
+          <a:prstGeom prst="straightConnector1">
+            <a:avLst/>
+          </a:prstGeom>
+          <a:ln>
+            <a:tailEnd type="triangle"/>
+          </a:ln>
+        </p:spPr>
+        <p:style>
+          <a:lnRef idx="1">
+            <a:schemeClr val="accent1"/>
+          </a:lnRef>
+          <a:fillRef idx="0">
+            <a:schemeClr val="accent1"/>
+          </a:fillRef>
+          <a:effectRef idx="0">
+            <a:schemeClr val="accent1"/>
+          </a:effectRef>
+          <a:fontRef idx="minor">
+            <a:schemeClr val="tx1"/>
+          </a:fontRef>
+        </p:style>
+      </p:cxnSp>
+      <p:cxnSp>
+        <p:nvCxnSpPr>
+          <p:cNvPr id="25" name="Straight Arrow Connector 24">
+            <a:extLst>
+              <a:ext uri="{FF2B5EF4-FFF2-40B4-BE49-F238E27FC236}">
+                <a16:creationId xmlns:a16="http://schemas.microsoft.com/office/drawing/2014/main" id="{A8081AA4-CBE6-4393-BBE5-75C2DA820776}"/>
+              </a:ext>
+            </a:extLst>
+          </p:cNvPr>
+          <p:cNvCxnSpPr>
+            <a:cxnSpLocks/>
+            <a:stCxn id="9" idx="2"/>
+            <a:endCxn id="12" idx="0"/>
+          </p:cNvCxnSpPr>
+          <p:nvPr/>
+        </p:nvCxnSpPr>
+        <p:spPr>
+          <a:xfrm flipH="1">
+            <a:off x="3283525" y="3747652"/>
+            <a:ext cx="932874" cy="450274"/>
+          </a:xfrm>
+          <a:prstGeom prst="straightConnector1">
+            <a:avLst/>
+          </a:prstGeom>
+          <a:ln>
+            <a:tailEnd type="triangle"/>
+          </a:ln>
+        </p:spPr>
+        <p:style>
+          <a:lnRef idx="1">
+            <a:schemeClr val="accent1"/>
+          </a:lnRef>
+          <a:fillRef idx="0">
+            <a:schemeClr val="accent1"/>
+          </a:fillRef>
+          <a:effectRef idx="0">
+            <a:schemeClr val="accent1"/>
+          </a:effectRef>
+          <a:fontRef idx="minor">
+            <a:schemeClr val="tx1"/>
+          </a:fontRef>
+        </p:style>
+      </p:cxnSp>
+      <p:sp>
+        <p:nvSpPr>
+          <p:cNvPr id="28" name="TextBox 27">
+            <a:extLst>
+              <a:ext uri="{FF2B5EF4-FFF2-40B4-BE49-F238E27FC236}">
+                <a16:creationId xmlns:a16="http://schemas.microsoft.com/office/drawing/2014/main" id="{5208E718-65E2-4A7F-AFBF-2AFABAA4EA0B}"/>
+              </a:ext>
+            </a:extLst>
+          </p:cNvPr>
+          <p:cNvSpPr txBox="1"/>
+          <p:nvPr/>
+        </p:nvSpPr>
+        <p:spPr>
+          <a:xfrm>
+            <a:off x="2812469" y="2818881"/>
+            <a:ext cx="988285" cy="369332"/>
+          </a:xfrm>
+          <a:prstGeom prst="rect">
+            <a:avLst/>
+          </a:prstGeom>
+          <a:noFill/>
+        </p:spPr>
+        <p:txBody>
+          <a:bodyPr wrap="square" rtlCol="0">
+            <a:spAutoFit/>
+          </a:bodyPr>
+          <a:lstStyle/>
+          <a:p>
+            <a:r>
+              <a:rPr lang="en-US" dirty="0"/>
+              <a:t>S7 conn</a:t>
+            </a:r>
+          </a:p>
+        </p:txBody>
+      </p:sp>
+      <p:sp>
+        <p:nvSpPr>
+          <p:cNvPr id="29" name="TextBox 28">
+            <a:extLst>
+              <a:ext uri="{FF2B5EF4-FFF2-40B4-BE49-F238E27FC236}">
+                <a16:creationId xmlns:a16="http://schemas.microsoft.com/office/drawing/2014/main" id="{A132C93E-859B-4A05-9EB4-2C0AA54C3073}"/>
+              </a:ext>
+            </a:extLst>
+          </p:cNvPr>
+          <p:cNvSpPr txBox="1"/>
+          <p:nvPr/>
+        </p:nvSpPr>
+        <p:spPr>
+          <a:xfrm>
+            <a:off x="2393371" y="3688681"/>
+            <a:ext cx="1595579" cy="369332"/>
+          </a:xfrm>
+          <a:prstGeom prst="rect">
+            <a:avLst/>
+          </a:prstGeom>
+          <a:noFill/>
+        </p:spPr>
+        <p:txBody>
+          <a:bodyPr wrap="square" rtlCol="0">
+            <a:spAutoFit/>
+          </a:bodyPr>
+          <a:lstStyle/>
+          <a:p>
+            <a:r>
+              <a:rPr lang="en-US" dirty="0" err="1"/>
+              <a:t>WebSockets</a:t>
+            </a:r>
+            <a:endParaRPr lang="en-US" dirty="0"/>
+          </a:p>
+        </p:txBody>
+      </p:sp>
+      <p:cxnSp>
+        <p:nvCxnSpPr>
+          <p:cNvPr id="30" name="Straight Arrow Connector 29">
+            <a:extLst>
+              <a:ext uri="{FF2B5EF4-FFF2-40B4-BE49-F238E27FC236}">
+                <a16:creationId xmlns:a16="http://schemas.microsoft.com/office/drawing/2014/main" id="{EBDB50B1-1277-4877-9769-BB7FD6D74994}"/>
+              </a:ext>
+            </a:extLst>
+          </p:cNvPr>
+          <p:cNvCxnSpPr>
+            <a:cxnSpLocks/>
+            <a:stCxn id="8" idx="3"/>
+            <a:endCxn id="14" idx="1"/>
+          </p:cNvCxnSpPr>
+          <p:nvPr/>
+        </p:nvCxnSpPr>
+        <p:spPr>
+          <a:xfrm>
+            <a:off x="4608945" y="2492662"/>
+            <a:ext cx="2646217" cy="360092"/>
+          </a:xfrm>
+          <a:prstGeom prst="straightConnector1">
+            <a:avLst/>
+          </a:prstGeom>
+          <a:ln>
+            <a:tailEnd type="triangle"/>
+          </a:ln>
+        </p:spPr>
+        <p:style>
+          <a:lnRef idx="1">
+            <a:schemeClr val="accent1"/>
+          </a:lnRef>
+          <a:fillRef idx="0">
+            <a:schemeClr val="accent1"/>
+          </a:fillRef>
+          <a:effectRef idx="0">
+            <a:schemeClr val="accent1"/>
+          </a:effectRef>
+          <a:fontRef idx="minor">
+            <a:schemeClr val="tx1"/>
+          </a:fontRef>
+        </p:style>
+      </p:cxnSp>
+      <p:sp>
+        <p:nvSpPr>
+          <p:cNvPr id="33" name="TextBox 32">
+            <a:extLst>
+              <a:ext uri="{FF2B5EF4-FFF2-40B4-BE49-F238E27FC236}">
+                <a16:creationId xmlns:a16="http://schemas.microsoft.com/office/drawing/2014/main" id="{9952D016-B95A-4221-8233-125435F13C9B}"/>
+              </a:ext>
+            </a:extLst>
+          </p:cNvPr>
+          <p:cNvSpPr txBox="1"/>
+          <p:nvPr/>
+        </p:nvSpPr>
+        <p:spPr>
+          <a:xfrm>
+            <a:off x="6022109" y="2349432"/>
+            <a:ext cx="988285" cy="369332"/>
+          </a:xfrm>
+          <a:prstGeom prst="rect">
+            <a:avLst/>
+          </a:prstGeom>
+          <a:noFill/>
+        </p:spPr>
+        <p:txBody>
+          <a:bodyPr wrap="square" rtlCol="0">
+            <a:spAutoFit/>
+          </a:bodyPr>
+          <a:lstStyle/>
+          <a:p>
+            <a:r>
+              <a:rPr lang="en-US" dirty="0"/>
+              <a:t>S7 conn</a:t>
+            </a:r>
+          </a:p>
+        </p:txBody>
+      </p:sp>
+      <p:sp>
+        <p:nvSpPr>
+          <p:cNvPr id="34" name="TextBox 33">
+            <a:extLst>
+              <a:ext uri="{FF2B5EF4-FFF2-40B4-BE49-F238E27FC236}">
+                <a16:creationId xmlns:a16="http://schemas.microsoft.com/office/drawing/2014/main" id="{5A61EE0B-E6EF-46CF-AD7E-4D1714263E1E}"/>
+              </a:ext>
+            </a:extLst>
+          </p:cNvPr>
+          <p:cNvSpPr txBox="1"/>
+          <p:nvPr/>
+        </p:nvSpPr>
+        <p:spPr>
+          <a:xfrm>
+            <a:off x="7982524" y="3274595"/>
+            <a:ext cx="1265383" cy="923330"/>
+          </a:xfrm>
+          <a:prstGeom prst="rect">
+            <a:avLst/>
+          </a:prstGeom>
+          <a:noFill/>
+        </p:spPr>
+        <p:txBody>
+          <a:bodyPr wrap="square" rtlCol="0">
+            <a:spAutoFit/>
+          </a:bodyPr>
+          <a:lstStyle/>
+          <a:p>
+            <a:r>
+              <a:rPr lang="en-US" dirty="0"/>
+              <a:t>RASPBERRY</a:t>
+            </a:r>
+          </a:p>
+          <a:p>
+            <a:r>
+              <a:rPr lang="en-US" dirty="0"/>
+              <a:t>WINDOWS</a:t>
+            </a:r>
+          </a:p>
+          <a:p>
+            <a:r>
+              <a:rPr lang="en-US" dirty="0"/>
+              <a:t>(C#)</a:t>
+            </a:r>
+          </a:p>
+        </p:txBody>
+      </p:sp>
+    </p:spTree>
+    <p:extLst>
+      <p:ext uri="{BB962C8B-B14F-4D97-AF65-F5344CB8AC3E}">
+        <p14:creationId xmlns:p14="http://schemas.microsoft.com/office/powerpoint/2010/main" val="593600763"/>
       </p:ext>
     </p:extLst>
   </p:cSld>
